--- a/XuLyAnh/BaoCao/BaoCaoTuan1.pptx
+++ b/XuLyAnh/BaoCao/BaoCaoTuan1.pptx
@@ -3144,8 +3144,8 @@
         </p:nvSpPr>
         <p:spPr>
           <a:xfrm>
-            <a:off x="1189861" y="2545982"/>
-            <a:ext cx="9243848" cy="2407017"/>
+            <a:off x="825722" y="2556492"/>
+            <a:ext cx="10157588" cy="2666713"/>
           </a:xfrm>
           <a:prstGeom prst="rect">
             <a:avLst/>
@@ -3321,7 +3321,7 @@
           </a:lstStyle>
           <a:p>
             <a:r>
-              <a:rPr lang="en-US" sz="3600" b="1" dirty="0" smtClean="0">
+              <a:rPr lang="en-US" sz="4400" b="1" dirty="0" smtClean="0">
                 <a:solidFill>
                   <a:srgbClr val="FF0000"/>
                 </a:solidFill>
@@ -3333,30 +3333,47 @@
           </a:p>
           <a:p>
             <a:r>
-              <a:rPr lang="en-US" sz="3600" b="1" dirty="0" smtClean="0">
+              <a:rPr lang="en-US" sz="4400" b="1" dirty="0" smtClean="0">
                 <a:solidFill>
                   <a:srgbClr val="FF0000"/>
                 </a:solidFill>
                 <a:latin typeface="Arial" panose="020B0604020202020204" pitchFamily="34" charset="0"/>
                 <a:cs typeface="Arial" panose="020B0604020202020204" pitchFamily="34" charset="0"/>
               </a:rPr>
-              <a:t>HỆ THỐNG NHẬN DẠNG TIỀN GIẤY</a:t>
-            </a:r>
-          </a:p>
-          <a:p>
-            <a:r>
-              <a:rPr lang="en-US" sz="3600" b="1" dirty="0" smtClean="0">
+              <a:t>AN INTELLIGENT PAPER CURRENCY</a:t>
+            </a:r>
+            <a:r>
+              <a:rPr lang="en-US" sz="3600" dirty="0" smtClean="0"/>
+              <a:t> </a:t>
+            </a:r>
+            <a:r>
+              <a:rPr lang="en-US" sz="3600" dirty="0"/>
+              <a:t> </a:t>
+            </a:r>
+            <a:r>
+              <a:rPr lang="en-US" sz="4000" b="1" dirty="0" smtClean="0">
                 <a:solidFill>
                   <a:srgbClr val="FF0000"/>
                 </a:solidFill>
                 <a:latin typeface="Arial" panose="020B0604020202020204" pitchFamily="34" charset="0"/>
                 <a:cs typeface="Arial" panose="020B0604020202020204" pitchFamily="34" charset="0"/>
               </a:rPr>
-              <a:t> THÔNG  MINH</a:t>
-            </a:r>
-          </a:p>
-          <a:p>
-            <a:pPr algn="r"/>
+              <a:t>RECOGNITION SYSTEM</a:t>
+            </a:r>
+            <a:r>
+              <a:rPr lang="en-US" sz="3600" dirty="0" smtClean="0"/>
+              <a:t>				</a:t>
+            </a:r>
+            <a:r>
+              <a:rPr lang="en-US" sz="2800" b="1" i="1" dirty="0" smtClean="0">
+                <a:solidFill>
+                  <a:srgbClr val="FF0000"/>
+                </a:solidFill>
+                <a:latin typeface="Arial" panose="020B0604020202020204" pitchFamily="34" charset="0"/>
+                <a:cs typeface="Arial" panose="020B0604020202020204" pitchFamily="34" charset="0"/>
+              </a:rPr>
+              <a:t>Tác </a:t>
+            </a:r>
             <a:r>
               <a:rPr lang="en-US" sz="2800" b="1" i="1" dirty="0">
                 <a:solidFill>
@@ -3365,7 +3382,7 @@
                 <a:latin typeface="Arial" panose="020B0604020202020204" pitchFamily="34" charset="0"/>
                 <a:cs typeface="Arial" panose="020B0604020202020204" pitchFamily="34" charset="0"/>
               </a:rPr>
-              <a:t>Tác giả: Muhammad </a:t>
+              <a:t>giả: Muhammad </a:t>
             </a:r>
             <a:r>
               <a:rPr lang="en-US" sz="2800" b="1" i="1" dirty="0" smtClean="0">
@@ -5650,7 +5667,7 @@
         </p:nvSpPr>
         <p:spPr>
           <a:xfrm>
-            <a:off x="624568" y="395742"/>
+            <a:off x="624568" y="0"/>
             <a:ext cx="10515600" cy="1325563"/>
           </a:xfrm>
         </p:spPr>
@@ -5693,8 +5710,8 @@
         </p:nvSpPr>
         <p:spPr>
           <a:xfrm>
-            <a:off x="820510" y="1807710"/>
-            <a:ext cx="11200039" cy="4793115"/>
+            <a:off x="715407" y="1479568"/>
+            <a:ext cx="11297918" cy="5520322"/>
           </a:xfrm>
         </p:spPr>
         <p:txBody>
@@ -5712,7 +5729,14 @@
                 <a:latin typeface="Arial" panose="020B0604020202020204" pitchFamily="34" charset="0"/>
                 <a:cs typeface="Arial" panose="020B0604020202020204" pitchFamily="34" charset="0"/>
               </a:rPr>
-              <a:t>Tổng quan đề tài “Hệ thống nhận dạng tiền giấy thông minh (IPCRS).</a:t>
+              <a:t>Tổng quan đề </a:t>
+            </a:r>
+            <a:r>
+              <a:rPr lang="en-US" sz="3600" dirty="0" smtClean="0">
+                <a:latin typeface="Arial" panose="020B0604020202020204" pitchFamily="34" charset="0"/>
+                <a:cs typeface="Arial" panose="020B0604020202020204" pitchFamily="34" charset="0"/>
+              </a:rPr>
+              <a:t>tài: </a:t>
             </a:r>
           </a:p>
           <a:p>
@@ -5721,23 +5745,12 @@
               <a:buAutoNum type="arabicPeriod"/>
             </a:pPr>
             <a:r>
-              <a:rPr lang="en-US" sz="3200" dirty="0">
-                <a:latin typeface="Arial" panose="020B0604020202020204" pitchFamily="34" charset="0"/>
-                <a:cs typeface="Arial" panose="020B0604020202020204" pitchFamily="34" charset="0"/>
-              </a:rPr>
-              <a:t>Giới </a:t>
-            </a:r>
-            <a:r>
               <a:rPr lang="en-US" sz="3200" dirty="0" smtClean="0">
                 <a:latin typeface="Arial" panose="020B0604020202020204" pitchFamily="34" charset="0"/>
                 <a:cs typeface="Arial" panose="020B0604020202020204" pitchFamily="34" charset="0"/>
               </a:rPr>
-              <a:t>thiệu PCR.</a:t>
-            </a:r>
-            <a:endParaRPr lang="en-US" sz="3200" dirty="0">
-              <a:latin typeface="Arial" panose="020B0604020202020204" pitchFamily="34" charset="0"/>
-              <a:cs typeface="Arial" panose="020B0604020202020204" pitchFamily="34" charset="0"/>
-            </a:endParaRPr>
+              <a:t>Giới thiệu hệ thống PCR.</a:t>
+            </a:r>
           </a:p>
           <a:p>
             <a:pPr marL="971550" lvl="1" indent="-514350">
@@ -5745,11 +5758,18 @@
               <a:buAutoNum type="arabicPeriod"/>
             </a:pPr>
             <a:r>
+              <a:rPr lang="en-US" sz="3200" dirty="0" smtClean="0">
+                <a:latin typeface="Arial" panose="020B0604020202020204" pitchFamily="34" charset="0"/>
+                <a:cs typeface="Arial" panose="020B0604020202020204" pitchFamily="34" charset="0"/>
+              </a:rPr>
+              <a:t>Cấu </a:t>
+            </a:r>
+            <a:r>
               <a:rPr lang="en-US" sz="3200" dirty="0">
                 <a:latin typeface="Arial" panose="020B0604020202020204" pitchFamily="34" charset="0"/>
                 <a:cs typeface="Arial" panose="020B0604020202020204" pitchFamily="34" charset="0"/>
               </a:rPr>
-              <a:t>Cấu trúc </a:t>
+              <a:t>trúc </a:t>
             </a:r>
             <a:r>
               <a:rPr lang="en-US" sz="3200" dirty="0" smtClean="0">
@@ -7825,29 +7845,70 @@
                 <a:latin typeface="Arial" panose="020B0604020202020204" pitchFamily="34" charset="0"/>
                 <a:cs typeface="Arial" panose="020B0604020202020204" pitchFamily="34" charset="0"/>
               </a:rPr>
-              <a:t> </a:t>
+              <a:t> Sử </a:t>
+            </a:r>
+            <a:r>
+              <a:rPr lang="en-US" sz="3200" dirty="0" smtClean="0">
+                <a:latin typeface="Arial" panose="020B0604020202020204" pitchFamily="34" charset="0"/>
+                <a:cs typeface="Arial" panose="020B0604020202020204" pitchFamily="34" charset="0"/>
+              </a:rPr>
+              <a:t>dụng thiết bị </a:t>
             </a:r>
             <a:r>
               <a:rPr lang="en-US" sz="3200" dirty="0">
                 <a:latin typeface="Arial" panose="020B0604020202020204" pitchFamily="34" charset="0"/>
                 <a:cs typeface="Arial" panose="020B0604020202020204" pitchFamily="34" charset="0"/>
               </a:rPr>
-              <a:t>T</a:t>
+              <a:t>quét </a:t>
+            </a:r>
+            <a:r>
+              <a:rPr lang="en-US" sz="3200" dirty="0" smtClean="0">
+                <a:latin typeface="Arial" panose="020B0604020202020204" pitchFamily="34" charset="0"/>
+                <a:cs typeface="Arial" panose="020B0604020202020204" pitchFamily="34" charset="0"/>
+              </a:rPr>
+              <a:t>để th</a:t>
             </a:r>
             <a:r>
               <a:rPr lang="vi-VN" sz="3200" dirty="0" smtClean="0">
-                <a:latin typeface="Arial" panose="020B0604020202020204" pitchFamily="34" charset="0"/>
-                <a:cs typeface="Arial" panose="020B0604020202020204" pitchFamily="34" charset="0"/>
-              </a:rPr>
-              <a:t>hu được hình ảnh của một loại tiền giấy</a:t>
+                <a:cs typeface="Arial" panose="020B0604020202020204" pitchFamily="34" charset="0"/>
+              </a:rPr>
+              <a:t>u </a:t>
             </a:r>
             <a:r>
               <a:rPr lang="en-US" sz="3200" dirty="0" smtClean="0">
                 <a:latin typeface="Arial" panose="020B0604020202020204" pitchFamily="34" charset="0"/>
                 <a:cs typeface="Arial" panose="020B0604020202020204" pitchFamily="34" charset="0"/>
               </a:rPr>
-              <a:t> sử dụng thiết bị quét.</a:t>
-            </a:r>
+              <a:t>nhận </a:t>
+            </a:r>
+            <a:r>
+              <a:rPr lang="vi-VN" sz="3200" dirty="0" smtClean="0">
+                <a:cs typeface="Arial" panose="020B0604020202020204" pitchFamily="34" charset="0"/>
+              </a:rPr>
+              <a:t>hình </a:t>
+            </a:r>
+            <a:r>
+              <a:rPr lang="vi-VN" sz="3200" dirty="0">
+                <a:cs typeface="Arial" panose="020B0604020202020204" pitchFamily="34" charset="0"/>
+              </a:rPr>
+              <a:t>ảnh của một loại tiền </a:t>
+            </a:r>
+            <a:r>
+              <a:rPr lang="vi-VN" sz="3200" dirty="0" smtClean="0">
+                <a:cs typeface="Arial" panose="020B0604020202020204" pitchFamily="34" charset="0"/>
+              </a:rPr>
+              <a:t>giấy</a:t>
+            </a:r>
+            <a:r>
+              <a:rPr lang="en-US" sz="3200" dirty="0" smtClean="0">
+                <a:cs typeface="Arial" panose="020B0604020202020204" pitchFamily="34" charset="0"/>
+              </a:rPr>
+              <a:t>.</a:t>
+            </a:r>
+            <a:endParaRPr lang="en-US" sz="3200" dirty="0" smtClean="0">
+              <a:latin typeface="Arial" panose="020B0604020202020204" pitchFamily="34" charset="0"/>
+              <a:cs typeface="Arial" panose="020B0604020202020204" pitchFamily="34" charset="0"/>
+            </a:endParaRPr>
           </a:p>
           <a:p>
             <a:pPr lvl="1">
